--- a/LiveProject-Animal_Behavior_Prediction.pptx
+++ b/LiveProject-Animal_Behavior_Prediction.pptx
@@ -211,7 +211,7 @@
           <a:p>
             <a:fld id="{CD727C70-16E8-45A2-89CD-80512D9E1EA9}" type="datetimeFigureOut">
               <a:rPr lang="en-IN" smtClean="0"/>
-              <a:t>07-12-2023</a:t>
+              <a:t>10-04-2024</a:t>
             </a:fld>
             <a:endParaRPr lang="en-IN"/>
           </a:p>
@@ -796,7 +796,7 @@
           <a:p>
             <a:fld id="{CBCE2245-D908-451E-8B5F-D516530BD4EC}" type="datetime1">
               <a:rPr lang="en-IN" smtClean="0"/>
-              <a:t>07-12-2023</a:t>
+              <a:t>10-04-2024</a:t>
             </a:fld>
             <a:endParaRPr lang="en-IN"/>
           </a:p>
@@ -996,7 +996,7 @@
           <a:p>
             <a:fld id="{A0753EE5-FF88-4747-9C5C-8735BB9D74A8}" type="datetime1">
               <a:rPr lang="en-IN" smtClean="0"/>
-              <a:t>07-12-2023</a:t>
+              <a:t>10-04-2024</a:t>
             </a:fld>
             <a:endParaRPr lang="en-IN"/>
           </a:p>
@@ -1206,7 +1206,7 @@
           <a:p>
             <a:fld id="{BB482C6C-0ED7-4E56-AB72-4B0B73FCC23E}" type="datetime1">
               <a:rPr lang="en-IN" smtClean="0"/>
-              <a:t>07-12-2023</a:t>
+              <a:t>10-04-2024</a:t>
             </a:fld>
             <a:endParaRPr lang="en-IN"/>
           </a:p>
@@ -1406,7 +1406,7 @@
           <a:p>
             <a:fld id="{7E4B9984-D5A3-42A5-96E1-E736D1584653}" type="datetime1">
               <a:rPr lang="en-IN" smtClean="0"/>
-              <a:t>07-12-2023</a:t>
+              <a:t>10-04-2024</a:t>
             </a:fld>
             <a:endParaRPr lang="en-IN"/>
           </a:p>
@@ -1682,7 +1682,7 @@
           <a:p>
             <a:fld id="{B0C9D633-71B7-4073-8C37-A967AD1D3BA4}" type="datetime1">
               <a:rPr lang="en-IN" smtClean="0"/>
-              <a:t>07-12-2023</a:t>
+              <a:t>10-04-2024</a:t>
             </a:fld>
             <a:endParaRPr lang="en-IN"/>
           </a:p>
@@ -1950,7 +1950,7 @@
           <a:p>
             <a:fld id="{C4C81F29-D825-4023-B788-1C5E952B95EA}" type="datetime1">
               <a:rPr lang="en-IN" smtClean="0"/>
-              <a:t>07-12-2023</a:t>
+              <a:t>10-04-2024</a:t>
             </a:fld>
             <a:endParaRPr lang="en-IN"/>
           </a:p>
@@ -2365,7 +2365,7 @@
           <a:p>
             <a:fld id="{0839D23B-ACF3-49A9-8BD2-873336C1710A}" type="datetime1">
               <a:rPr lang="en-IN" smtClean="0"/>
-              <a:t>07-12-2023</a:t>
+              <a:t>10-04-2024</a:t>
             </a:fld>
             <a:endParaRPr lang="en-IN"/>
           </a:p>
@@ -2507,7 +2507,7 @@
           <a:p>
             <a:fld id="{3233234F-3AAC-4A33-8B2F-55DF753E572E}" type="datetime1">
               <a:rPr lang="en-IN" smtClean="0"/>
-              <a:t>07-12-2023</a:t>
+              <a:t>10-04-2024</a:t>
             </a:fld>
             <a:endParaRPr lang="en-IN"/>
           </a:p>
@@ -2620,7 +2620,7 @@
           <a:p>
             <a:fld id="{D446F962-69BB-4EFC-A766-3BED11E3E0D1}" type="datetime1">
               <a:rPr lang="en-IN" smtClean="0"/>
-              <a:t>07-12-2023</a:t>
+              <a:t>10-04-2024</a:t>
             </a:fld>
             <a:endParaRPr lang="en-IN"/>
           </a:p>
@@ -2933,7 +2933,7 @@
           <a:p>
             <a:fld id="{BCB2C5F2-66EF-4FAC-BF69-CB5B6CD01CA4}" type="datetime1">
               <a:rPr lang="en-IN" smtClean="0"/>
-              <a:t>07-12-2023</a:t>
+              <a:t>10-04-2024</a:t>
             </a:fld>
             <a:endParaRPr lang="en-IN"/>
           </a:p>
@@ -3222,7 +3222,7 @@
           <a:p>
             <a:fld id="{E6E93DBB-BF29-4FF7-9637-2B63CE824576}" type="datetime1">
               <a:rPr lang="en-IN" smtClean="0"/>
-              <a:t>07-12-2023</a:t>
+              <a:t>10-04-2024</a:t>
             </a:fld>
             <a:endParaRPr lang="en-IN"/>
           </a:p>
@@ -3465,7 +3465,7 @@
           <a:p>
             <a:fld id="{DF32BF79-E403-404B-8062-E8FAAED895CF}" type="datetime1">
               <a:rPr lang="en-IN" smtClean="0"/>
-              <a:t>07-12-2023</a:t>
+              <a:t>10-04-2024</a:t>
             </a:fld>
             <a:endParaRPr lang="en-IN"/>
           </a:p>
@@ -3982,7 +3982,7 @@
           <a:p>
             <a:fld id="{3413EA2E-3BFB-4DED-A039-F045CFE75460}" type="datetime1">
               <a:rPr lang="en-IN" smtClean="0"/>
-              <a:t>07-12-2023</a:t>
+              <a:t>10-04-2024</a:t>
             </a:fld>
             <a:endParaRPr lang="en-IN"/>
           </a:p>
@@ -4051,7 +4051,7 @@
                 <a:latin typeface="Arial" panose="020B0604020202020204" pitchFamily="34" charset="0"/>
                 <a:cs typeface="Arial" panose="020B0604020202020204" pitchFamily="34" charset="0"/>
               </a:rPr>
-              <a:t>Prepared by – Gauri Golande</a:t>
+              <a:t>Gauri Golande</a:t>
             </a:r>
           </a:p>
           <a:p>
@@ -4191,7 +4191,7 @@
           <a:p>
             <a:fld id="{7E4B9984-D5A3-42A5-96E1-E736D1584653}" type="datetime1">
               <a:rPr lang="en-IN" smtClean="0"/>
-              <a:t>07-12-2023</a:t>
+              <a:t>10-04-2024</a:t>
             </a:fld>
             <a:endParaRPr lang="en-IN"/>
           </a:p>
@@ -4372,7 +4372,7 @@
           <a:p>
             <a:fld id="{7E4B9984-D5A3-42A5-96E1-E736D1584653}" type="datetime1">
               <a:rPr lang="en-IN" smtClean="0"/>
-              <a:t>07-12-2023</a:t>
+              <a:t>10-04-2024</a:t>
             </a:fld>
             <a:endParaRPr lang="en-IN"/>
           </a:p>
@@ -4607,7 +4607,7 @@
           <a:p>
             <a:fld id="{7E4B9984-D5A3-42A5-96E1-E736D1584653}" type="datetime1">
               <a:rPr lang="en-IN" smtClean="0"/>
-              <a:t>07-12-2023</a:t>
+              <a:t>10-04-2024</a:t>
             </a:fld>
             <a:endParaRPr lang="en-IN"/>
           </a:p>
@@ -4803,7 +4803,7 @@
           <a:p>
             <a:fld id="{7E4B9984-D5A3-42A5-96E1-E736D1584653}" type="datetime1">
               <a:rPr lang="en-IN" smtClean="0"/>
-              <a:t>07-12-2023</a:t>
+              <a:t>10-04-2024</a:t>
             </a:fld>
             <a:endParaRPr lang="en-IN"/>
           </a:p>
@@ -4997,7 +4997,7 @@
           <a:p>
             <a:fld id="{3413EA2E-3BFB-4DED-A039-F045CFE75460}" type="datetime1">
               <a:rPr lang="en-IN" smtClean="0"/>
-              <a:t>07-12-2023</a:t>
+              <a:t>10-04-2024</a:t>
             </a:fld>
             <a:endParaRPr lang="en-IN"/>
           </a:p>
@@ -5179,7 +5179,7 @@
           <a:p>
             <a:fld id="{7E4B9984-D5A3-42A5-96E1-E736D1584653}" type="datetime1">
               <a:rPr lang="en-IN" smtClean="0"/>
-              <a:t>07-12-2023</a:t>
+              <a:t>10-04-2024</a:t>
             </a:fld>
             <a:endParaRPr lang="en-IN"/>
           </a:p>
@@ -5341,7 +5341,7 @@
           <a:p>
             <a:fld id="{3413EA2E-3BFB-4DED-A039-F045CFE75460}" type="datetime1">
               <a:rPr lang="en-IN" smtClean="0"/>
-              <a:t>07-12-2023</a:t>
+              <a:t>10-04-2024</a:t>
             </a:fld>
             <a:endParaRPr lang="en-IN"/>
           </a:p>
@@ -5429,7 +5429,7 @@
           <a:p>
             <a:fld id="{7E4B9984-D5A3-42A5-96E1-E736D1584653}" type="datetime1">
               <a:rPr lang="en-IN" smtClean="0"/>
-              <a:t>07-12-2023</a:t>
+              <a:t>10-04-2024</a:t>
             </a:fld>
             <a:endParaRPr lang="en-IN"/>
           </a:p>
@@ -5622,7 +5622,7 @@
           <a:p>
             <a:fld id="{3413EA2E-3BFB-4DED-A039-F045CFE75460}" type="datetime1">
               <a:rPr lang="en-IN" smtClean="0"/>
-              <a:t>07-12-2023</a:t>
+              <a:t>10-04-2024</a:t>
             </a:fld>
             <a:endParaRPr lang="en-IN"/>
           </a:p>
@@ -5916,7 +5916,7 @@
           <a:p>
             <a:fld id="{E09ACD9D-A8B0-4288-8E62-379E5DC57ED7}" type="datetime1">
               <a:rPr lang="en-IN" smtClean="0"/>
-              <a:t>07-12-2023</a:t>
+              <a:t>10-04-2024</a:t>
             </a:fld>
             <a:endParaRPr lang="en-IN"/>
           </a:p>
@@ -6284,7 +6284,7 @@
           <a:p>
             <a:fld id="{1177DA05-36FA-49DF-9465-F5C665B41A8D}" type="datetime1">
               <a:rPr lang="en-IN" smtClean="0"/>
-              <a:t>07-12-2023</a:t>
+              <a:t>10-04-2024</a:t>
             </a:fld>
             <a:endParaRPr lang="en-IN"/>
           </a:p>
@@ -6697,7 +6697,7 @@
           <a:p>
             <a:fld id="{33277EEA-F257-4D02-88D6-4D6A1F55B38F}" type="datetime1">
               <a:rPr lang="en-IN" smtClean="0"/>
-              <a:t>07-12-2023</a:t>
+              <a:t>10-04-2024</a:t>
             </a:fld>
             <a:endParaRPr lang="en-IN" dirty="0"/>
           </a:p>
@@ -7291,7 +7291,7 @@
           <a:p>
             <a:fld id="{A7E5BB90-987B-4AAA-81CA-968AFF9FD1BC}" type="datetime1">
               <a:rPr lang="en-IN" smtClean="0"/>
-              <a:t>07-12-2023</a:t>
+              <a:t>10-04-2024</a:t>
             </a:fld>
             <a:endParaRPr lang="en-IN"/>
           </a:p>
@@ -7467,7 +7467,7 @@
           <a:p>
             <a:fld id="{3413EA2E-3BFB-4DED-A039-F045CFE75460}" type="datetime1">
               <a:rPr lang="en-IN" smtClean="0"/>
-              <a:t>07-12-2023</a:t>
+              <a:t>10-04-2024</a:t>
             </a:fld>
             <a:endParaRPr lang="en-IN"/>
           </a:p>
